--- a/figures/os_primitives_accel.pptx
+++ b/figures/os_primitives_accel.pptx
@@ -104,6 +104,11 @@
       </a:defRPr>
     </a:lvl9pPr>
   </p:defaultTextStyle>
+  <p:extLst>
+    <p:ext uri="{EFAFB233-063F-42B5-8137-9DF3F51BA10A}">
+      <p15:sldGuideLst xmlns:p15="http://schemas.microsoft.com/office/powerpoint/2012/main"/>
+    </p:ext>
+  </p:extLst>
 </p:presentation>
 </file>
 
@@ -254,7 +259,7 @@
           <a:p>
             <a:fld id="{33A37DE3-7B2F-404E-BEC9-6DA5FEBB6412}" type="datetimeFigureOut">
               <a:rPr lang="en-US" smtClean="0"/>
-              <a:t>4/18/2019</a:t>
+              <a:t>5/28/19</a:t>
             </a:fld>
             <a:endParaRPr lang="en-US"/>
           </a:p>
@@ -452,7 +457,7 @@
           <a:p>
             <a:fld id="{33A37DE3-7B2F-404E-BEC9-6DA5FEBB6412}" type="datetimeFigureOut">
               <a:rPr lang="en-US" smtClean="0"/>
-              <a:t>4/18/2019</a:t>
+              <a:t>5/28/19</a:t>
             </a:fld>
             <a:endParaRPr lang="en-US"/>
           </a:p>
@@ -660,7 +665,7 @@
           <a:p>
             <a:fld id="{33A37DE3-7B2F-404E-BEC9-6DA5FEBB6412}" type="datetimeFigureOut">
               <a:rPr lang="en-US" smtClean="0"/>
-              <a:t>4/18/2019</a:t>
+              <a:t>5/28/19</a:t>
             </a:fld>
             <a:endParaRPr lang="en-US"/>
           </a:p>
@@ -858,7 +863,7 @@
           <a:p>
             <a:fld id="{33A37DE3-7B2F-404E-BEC9-6DA5FEBB6412}" type="datetimeFigureOut">
               <a:rPr lang="en-US" smtClean="0"/>
-              <a:t>4/18/2019</a:t>
+              <a:t>5/28/19</a:t>
             </a:fld>
             <a:endParaRPr lang="en-US"/>
           </a:p>
@@ -1133,7 +1138,7 @@
           <a:p>
             <a:fld id="{33A37DE3-7B2F-404E-BEC9-6DA5FEBB6412}" type="datetimeFigureOut">
               <a:rPr lang="en-US" smtClean="0"/>
-              <a:t>4/18/2019</a:t>
+              <a:t>5/28/19</a:t>
             </a:fld>
             <a:endParaRPr lang="en-US"/>
           </a:p>
@@ -1398,7 +1403,7 @@
           <a:p>
             <a:fld id="{33A37DE3-7B2F-404E-BEC9-6DA5FEBB6412}" type="datetimeFigureOut">
               <a:rPr lang="en-US" smtClean="0"/>
-              <a:t>4/18/2019</a:t>
+              <a:t>5/28/19</a:t>
             </a:fld>
             <a:endParaRPr lang="en-US"/>
           </a:p>
@@ -1810,7 +1815,7 @@
           <a:p>
             <a:fld id="{33A37DE3-7B2F-404E-BEC9-6DA5FEBB6412}" type="datetimeFigureOut">
               <a:rPr lang="en-US" smtClean="0"/>
-              <a:t>4/18/2019</a:t>
+              <a:t>5/28/19</a:t>
             </a:fld>
             <a:endParaRPr lang="en-US"/>
           </a:p>
@@ -1951,7 +1956,7 @@
           <a:p>
             <a:fld id="{33A37DE3-7B2F-404E-BEC9-6DA5FEBB6412}" type="datetimeFigureOut">
               <a:rPr lang="en-US" smtClean="0"/>
-              <a:t>4/18/2019</a:t>
+              <a:t>5/28/19</a:t>
             </a:fld>
             <a:endParaRPr lang="en-US"/>
           </a:p>
@@ -2064,7 +2069,7 @@
           <a:p>
             <a:fld id="{33A37DE3-7B2F-404E-BEC9-6DA5FEBB6412}" type="datetimeFigureOut">
               <a:rPr lang="en-US" smtClean="0"/>
-              <a:t>4/18/2019</a:t>
+              <a:t>5/28/19</a:t>
             </a:fld>
             <a:endParaRPr lang="en-US"/>
           </a:p>
@@ -2375,7 +2380,7 @@
           <a:p>
             <a:fld id="{33A37DE3-7B2F-404E-BEC9-6DA5FEBB6412}" type="datetimeFigureOut">
               <a:rPr lang="en-US" smtClean="0"/>
-              <a:t>4/18/2019</a:t>
+              <a:t>5/28/19</a:t>
             </a:fld>
             <a:endParaRPr lang="en-US"/>
           </a:p>
@@ -2663,7 +2668,7 @@
           <a:p>
             <a:fld id="{33A37DE3-7B2F-404E-BEC9-6DA5FEBB6412}" type="datetimeFigureOut">
               <a:rPr lang="en-US" smtClean="0"/>
-              <a:t>4/18/2019</a:t>
+              <a:t>5/28/19</a:t>
             </a:fld>
             <a:endParaRPr lang="en-US"/>
           </a:p>
@@ -2904,7 +2909,7 @@
           <a:p>
             <a:fld id="{33A37DE3-7B2F-404E-BEC9-6DA5FEBB6412}" type="datetimeFigureOut">
               <a:rPr lang="en-US" smtClean="0"/>
-              <a:t>4/18/2019</a:t>
+              <a:t>5/28/19</a:t>
             </a:fld>
             <a:endParaRPr lang="en-US"/>
           </a:p>
@@ -5762,6 +5767,16 @@
           <a:prstGeom prst="rect">
             <a:avLst/>
           </a:prstGeom>
+          <a:pattFill prst="pct50">
+            <a:fgClr>
+              <a:schemeClr val="bg2">
+                <a:lumMod val="90000"/>
+              </a:schemeClr>
+            </a:fgClr>
+            <a:bgClr>
+              <a:schemeClr val="bg1"/>
+            </a:bgClr>
+          </a:pattFill>
           <a:ln>
             <a:headEnd type="none" w="med" len="med"/>
             <a:tailEnd type="none" w="med" len="med"/>
@@ -5806,7 +5821,7 @@
             <a:r>
               <a:rPr kumimoji="1" lang="zh-CN" altLang="en-US" sz="1400" dirty="0">
                 <a:solidFill>
-                  <a:schemeClr val="bg1"/>
+                  <a:schemeClr val="tx1"/>
                 </a:solidFill>
                 <a:ea typeface="Segoe UI" pitchFamily="34" charset="0"/>
                 <a:cs typeface="Segoe UI" pitchFamily="34" charset="0"/>
@@ -5836,6 +5851,16 @@
           <a:prstGeom prst="rect">
             <a:avLst/>
           </a:prstGeom>
+          <a:pattFill prst="pct50">
+            <a:fgClr>
+              <a:schemeClr val="bg2">
+                <a:lumMod val="90000"/>
+              </a:schemeClr>
+            </a:fgClr>
+            <a:bgClr>
+              <a:schemeClr val="bg1"/>
+            </a:bgClr>
+          </a:pattFill>
           <a:ln>
             <a:headEnd type="none" w="med" len="med"/>
             <a:tailEnd type="none" w="med" len="med"/>
@@ -5880,7 +5905,7 @@
             <a:r>
               <a:rPr kumimoji="1" lang="zh-CN" altLang="en-US" sz="1400" dirty="0">
                 <a:solidFill>
-                  <a:schemeClr val="bg1"/>
+                  <a:schemeClr val="tx1"/>
                 </a:solidFill>
                 <a:ea typeface="Segoe UI" pitchFamily="34" charset="0"/>
                 <a:cs typeface="Segoe UI" pitchFamily="34" charset="0"/>
@@ -5910,6 +5935,16 @@
           <a:prstGeom prst="rect">
             <a:avLst/>
           </a:prstGeom>
+          <a:pattFill prst="pct50">
+            <a:fgClr>
+              <a:schemeClr val="bg2">
+                <a:lumMod val="90000"/>
+              </a:schemeClr>
+            </a:fgClr>
+            <a:bgClr>
+              <a:schemeClr val="bg1"/>
+            </a:bgClr>
+          </a:pattFill>
           <a:ln>
             <a:headEnd type="none" w="med" len="med"/>
             <a:tailEnd type="none" w="med" len="med"/>
@@ -5954,7 +5989,7 @@
             <a:r>
               <a:rPr kumimoji="1" lang="zh-CN" altLang="en-US" sz="1400" dirty="0">
                 <a:solidFill>
-                  <a:schemeClr val="bg1"/>
+                  <a:schemeClr val="tx1"/>
                 </a:solidFill>
                 <a:ea typeface="Segoe UI" pitchFamily="34" charset="0"/>
                 <a:cs typeface="Segoe UI" pitchFamily="34" charset="0"/>
@@ -6419,6 +6454,16 @@
           <a:prstGeom prst="rect">
             <a:avLst/>
           </a:prstGeom>
+          <a:pattFill prst="pct50">
+            <a:fgClr>
+              <a:schemeClr val="bg2">
+                <a:lumMod val="90000"/>
+              </a:schemeClr>
+            </a:fgClr>
+            <a:bgClr>
+              <a:schemeClr val="bg1"/>
+            </a:bgClr>
+          </a:pattFill>
           <a:ln>
             <a:headEnd type="none" w="med" len="med"/>
             <a:tailEnd type="none" w="med" len="med"/>
@@ -6463,7 +6508,7 @@
             <a:r>
               <a:rPr kumimoji="1" lang="zh-CN" altLang="en-US" sz="1400" dirty="0">
                 <a:solidFill>
-                  <a:schemeClr val="bg1"/>
+                  <a:schemeClr val="tx1"/>
                 </a:solidFill>
                 <a:ea typeface="Segoe UI" pitchFamily="34" charset="0"/>
                 <a:cs typeface="Segoe UI" pitchFamily="34" charset="0"/>
@@ -6493,6 +6538,16 @@
           <a:prstGeom prst="rect">
             <a:avLst/>
           </a:prstGeom>
+          <a:pattFill prst="pct50">
+            <a:fgClr>
+              <a:schemeClr val="bg2">
+                <a:lumMod val="90000"/>
+              </a:schemeClr>
+            </a:fgClr>
+            <a:bgClr>
+              <a:schemeClr val="bg1"/>
+            </a:bgClr>
+          </a:pattFill>
           <a:ln>
             <a:headEnd type="none" w="med" len="med"/>
             <a:tailEnd type="none" w="med" len="med"/>
@@ -6537,7 +6592,7 @@
             <a:r>
               <a:rPr kumimoji="1" lang="zh-CN" altLang="en-US" sz="1400" dirty="0">
                 <a:solidFill>
-                  <a:schemeClr val="bg1"/>
+                  <a:schemeClr val="tx1"/>
                 </a:solidFill>
                 <a:ea typeface="Segoe UI" pitchFamily="34" charset="0"/>
                 <a:cs typeface="Segoe UI" pitchFamily="34" charset="0"/>
@@ -6907,6 +6962,16 @@
           <a:prstGeom prst="rect">
             <a:avLst/>
           </a:prstGeom>
+          <a:pattFill prst="pct50">
+            <a:fgClr>
+              <a:schemeClr val="bg2">
+                <a:lumMod val="90000"/>
+              </a:schemeClr>
+            </a:fgClr>
+            <a:bgClr>
+              <a:schemeClr val="bg1"/>
+            </a:bgClr>
+          </a:pattFill>
           <a:ln>
             <a:headEnd type="none" w="med" len="med"/>
             <a:tailEnd type="none" w="med" len="med"/>
@@ -6951,7 +7016,7 @@
             <a:r>
               <a:rPr kumimoji="1" lang="zh-CN" altLang="en-US" sz="1400" dirty="0">
                 <a:solidFill>
-                  <a:schemeClr val="bg1"/>
+                  <a:schemeClr val="tx1"/>
                 </a:solidFill>
                 <a:ea typeface="Segoe UI" pitchFamily="34" charset="0"/>
                 <a:cs typeface="Segoe UI" pitchFamily="34" charset="0"/>
@@ -6981,6 +7046,16 @@
           <a:prstGeom prst="rect">
             <a:avLst/>
           </a:prstGeom>
+          <a:pattFill prst="pct50">
+            <a:fgClr>
+              <a:schemeClr val="bg2">
+                <a:lumMod val="90000"/>
+              </a:schemeClr>
+            </a:fgClr>
+            <a:bgClr>
+              <a:schemeClr val="bg1"/>
+            </a:bgClr>
+          </a:pattFill>
           <a:ln>
             <a:headEnd type="none" w="med" len="med"/>
             <a:tailEnd type="none" w="med" len="med"/>
@@ -7025,7 +7100,7 @@
             <a:r>
               <a:rPr kumimoji="1" lang="zh-CN" altLang="en-US" sz="1400" dirty="0">
                 <a:solidFill>
-                  <a:schemeClr val="bg1"/>
+                  <a:schemeClr val="tx1"/>
                 </a:solidFill>
                 <a:ea typeface="Segoe UI" pitchFamily="34" charset="0"/>
                 <a:cs typeface="Segoe UI" pitchFamily="34" charset="0"/>
@@ -7172,10 +7247,18 @@
           <a:prstGeom prst="rect">
             <a:avLst/>
           </a:prstGeom>
-          <a:solidFill>
-            <a:srgbClr val="C00000"/>
-          </a:solidFill>
+          <a:pattFill prst="wdDnDiag">
+            <a:fgClr>
+              <a:srgbClr val="C00000"/>
+            </a:fgClr>
+            <a:bgClr>
+              <a:schemeClr val="bg1"/>
+            </a:bgClr>
+          </a:pattFill>
           <a:ln>
+            <a:solidFill>
+              <a:schemeClr val="tx1"/>
+            </a:solidFill>
             <a:headEnd type="none" w="med" len="med"/>
             <a:tailEnd type="none" w="med" len="med"/>
           </a:ln>
@@ -7217,9 +7300,9 @@
               </a:spcAft>
             </a:pPr>
             <a:r>
-              <a:rPr kumimoji="1" lang="zh-CN" altLang="en-US" sz="1400" dirty="0">
+              <a:rPr kumimoji="1" lang="zh-CN" altLang="en-US" sz="1400" b="1" dirty="0">
                 <a:solidFill>
-                  <a:schemeClr val="bg1"/>
+                  <a:schemeClr val="tx1"/>
                 </a:solidFill>
                 <a:ea typeface="Segoe UI" pitchFamily="34" charset="0"/>
                 <a:cs typeface="Segoe UI" pitchFamily="34" charset="0"/>
@@ -7404,10 +7487,18 @@
           <a:prstGeom prst="rect">
             <a:avLst/>
           </a:prstGeom>
-          <a:solidFill>
-            <a:srgbClr val="C00000"/>
-          </a:solidFill>
+          <a:pattFill prst="wdDnDiag">
+            <a:fgClr>
+              <a:srgbClr val="C00000"/>
+            </a:fgClr>
+            <a:bgClr>
+              <a:schemeClr val="bg1"/>
+            </a:bgClr>
+          </a:pattFill>
           <a:ln>
+            <a:solidFill>
+              <a:schemeClr val="tx1"/>
+            </a:solidFill>
             <a:headEnd type="none" w="med" len="med"/>
             <a:tailEnd type="none" w="med" len="med"/>
           </a:ln>
@@ -7449,9 +7540,9 @@
               </a:spcAft>
             </a:pPr>
             <a:r>
-              <a:rPr kumimoji="1" lang="zh-CN" altLang="en-US" sz="1400" dirty="0">
+              <a:rPr kumimoji="1" lang="zh-CN" altLang="en-US" sz="1400" b="1" dirty="0">
                 <a:solidFill>
-                  <a:schemeClr val="bg1"/>
+                  <a:schemeClr val="tx1"/>
                 </a:solidFill>
                 <a:ea typeface="Segoe UI" pitchFamily="34" charset="0"/>
                 <a:cs typeface="Segoe UI" pitchFamily="34" charset="0"/>
@@ -7636,10 +7727,18 @@
           <a:prstGeom prst="rect">
             <a:avLst/>
           </a:prstGeom>
-          <a:solidFill>
-            <a:srgbClr val="C00000"/>
-          </a:solidFill>
+          <a:pattFill prst="wdDnDiag">
+            <a:fgClr>
+              <a:srgbClr val="C00000"/>
+            </a:fgClr>
+            <a:bgClr>
+              <a:schemeClr val="bg1"/>
+            </a:bgClr>
+          </a:pattFill>
           <a:ln>
+            <a:solidFill>
+              <a:schemeClr val="tx1"/>
+            </a:solidFill>
             <a:headEnd type="none" w="med" len="med"/>
             <a:tailEnd type="none" w="med" len="med"/>
           </a:ln>
@@ -7681,9 +7780,9 @@
               </a:spcAft>
             </a:pPr>
             <a:r>
-              <a:rPr kumimoji="1" lang="zh-CN" altLang="en-US" sz="1400" dirty="0">
+              <a:rPr kumimoji="1" lang="zh-CN" altLang="en-US" sz="1400" b="1" dirty="0">
                 <a:solidFill>
-                  <a:schemeClr val="bg1"/>
+                  <a:schemeClr val="tx1"/>
                 </a:solidFill>
                 <a:ea typeface="Segoe UI" pitchFamily="34" charset="0"/>
                 <a:cs typeface="Segoe UI" pitchFamily="34" charset="0"/>
@@ -7947,10 +8046,18 @@
           <a:prstGeom prst="rect">
             <a:avLst/>
           </a:prstGeom>
-          <a:solidFill>
-            <a:srgbClr val="C00000"/>
-          </a:solidFill>
+          <a:pattFill prst="wdDnDiag">
+            <a:fgClr>
+              <a:srgbClr val="C00000"/>
+            </a:fgClr>
+            <a:bgClr>
+              <a:schemeClr val="bg1"/>
+            </a:bgClr>
+          </a:pattFill>
           <a:ln>
+            <a:solidFill>
+              <a:schemeClr val="tx1"/>
+            </a:solidFill>
             <a:headEnd type="none" w="med" len="med"/>
             <a:tailEnd type="none" w="med" len="med"/>
           </a:ln>
@@ -7992,9 +8099,9 @@
               </a:spcAft>
             </a:pPr>
             <a:r>
-              <a:rPr kumimoji="1" lang="zh-CN" altLang="en-US" sz="1400" dirty="0">
+              <a:rPr kumimoji="1" lang="zh-CN" altLang="en-US" sz="1400" b="1" dirty="0">
                 <a:solidFill>
-                  <a:schemeClr val="bg1"/>
+                  <a:schemeClr val="tx1"/>
                 </a:solidFill>
                 <a:ea typeface="Segoe UI" pitchFamily="34" charset="0"/>
                 <a:cs typeface="Segoe UI" pitchFamily="34" charset="0"/>
